--- a/CSCI-111/week-3/week-3-lecture/week-3-lecture.pptx
+++ b/CSCI-111/week-3/week-3-lecture/week-3-lecture.pptx
@@ -12215,9 +12215,6 @@
           </a:p>
           <a:p>
             <a:pPr indent="0" lvl="0" marL="0" rtl="0" algn="l">
-              <a:lnSpc>
-                <a:spcPct val="100000"/>
-              </a:lnSpc>
               <a:spcBef>
                 <a:spcPts val="0"/>
               </a:spcBef>
@@ -12278,6 +12275,15 @@
             </a:r>
             <a:r>
               <a:rPr lang="en" sz="1800">
+                <a:latin typeface="Courier New"/>
+                <a:ea typeface="Courier New"/>
+                <a:cs typeface="Courier New"/>
+                <a:sym typeface="Courier New"/>
+              </a:rPr>
+              <a:t> </a:t>
+            </a:r>
+            <a:r>
+              <a:rPr lang="en" sz="1800">
                 <a:solidFill>
                   <a:schemeClr val="lt1"/>
                 </a:solidFill>
@@ -12286,7 +12292,7 @@
                 <a:cs typeface="Courier New"/>
                 <a:sym typeface="Courier New"/>
               </a:rPr>
-              <a:t>Talgat Manglayev</a:t>
+              <a:t>Dr. Talgat Manglayev</a:t>
             </a:r>
             <a:r>
               <a:rPr lang="en" sz="1800">
@@ -12336,9 +12342,6 @@
           </a:p>
           <a:p>
             <a:pPr indent="0" lvl="0" marL="0" rtl="0" algn="l">
-              <a:lnSpc>
-                <a:spcPct val="100000"/>
-              </a:lnSpc>
               <a:spcBef>
                 <a:spcPts val="0"/>
               </a:spcBef>
@@ -12399,6 +12402,15 @@
             </a:r>
             <a:r>
               <a:rPr lang="en" sz="1800">
+                <a:latin typeface="Courier New"/>
+                <a:ea typeface="Courier New"/>
+                <a:cs typeface="Courier New"/>
+                <a:sym typeface="Courier New"/>
+              </a:rPr>
+              <a:t> </a:t>
+            </a:r>
+            <a:r>
+              <a:rPr lang="en" sz="1800">
                 <a:solidFill>
                   <a:schemeClr val="lt1"/>
                 </a:solidFill>
@@ -12407,7 +12419,7 @@
                 <a:cs typeface="Courier New"/>
                 <a:sym typeface="Courier New"/>
               </a:rPr>
-              <a:t>Irina Dolzhikova</a:t>
+              <a:t>Dr. Irina Dolzhikova</a:t>
             </a:r>
             <a:r>
               <a:rPr lang="en" sz="1800">
@@ -12457,16 +12469,17 @@
           </a:p>
           <a:p>
             <a:pPr indent="0" lvl="0" marL="0" rtl="0" algn="l">
-              <a:lnSpc>
-                <a:spcPct val="100000"/>
-              </a:lnSpc>
-              <a:spcBef>
-                <a:spcPts val="0"/>
-              </a:spcBef>
-              <a:spcAft>
-                <a:spcPts val="0"/>
-              </a:spcAft>
+              <a:spcBef>
+                <a:spcPts val="0"/>
+              </a:spcBef>
+              <a:spcAft>
+                <a:spcPts val="0"/>
+              </a:spcAft>
+              <a:buClr>
+                <a:schemeClr val="dk1"/>
+              </a:buClr>
               <a:buSzPts val="5200"/>
+              <a:buFont typeface="Arial"/>
               <a:buNone/>
             </a:pPr>
             <a:r>
@@ -12516,6 +12529,15 @@
             </a:r>
             <a:r>
               <a:rPr lang="en" sz="1800">
+                <a:latin typeface="Courier New"/>
+                <a:ea typeface="Courier New"/>
+                <a:cs typeface="Courier New"/>
+                <a:sym typeface="Courier New"/>
+              </a:rPr>
+              <a:t> </a:t>
+            </a:r>
+            <a:r>
+              <a:rPr lang="en" sz="1800">
                 <a:solidFill>
                   <a:schemeClr val="lt1"/>
                 </a:solidFill>
@@ -12524,7 +12546,7 @@
                 <a:cs typeface="Courier New"/>
                 <a:sym typeface="Courier New"/>
               </a:rPr>
-              <a:t>Aigerim Yessenbayeva</a:t>
+              <a:t>Dr. Syed Muhammad Umair Arif</a:t>
             </a:r>
             <a:r>
               <a:rPr lang="en" sz="1800">
@@ -12563,9 +12585,6 @@
               <a:t>&gt;</a:t>
             </a:r>
             <a:endParaRPr sz="1800">
-              <a:solidFill>
-                <a:schemeClr val="dk2"/>
-              </a:solidFill>
               <a:latin typeface="Courier New"/>
               <a:ea typeface="Courier New"/>
               <a:cs typeface="Courier New"/>
